--- a/arastirma-odev.pptx
+++ b/arastirma-odev.pptx
@@ -9,6 +9,8 @@
     <p:sldId id="257" r:id="rId3"/>
     <p:sldId id="258" r:id="rId4"/>
     <p:sldId id="259" r:id="rId5"/>
+    <p:sldId id="260" r:id="rId6"/>
+    <p:sldId id="261" r:id="rId7"/>
   </p:sldIdLst>
   <p:sldSz cx="12192000" cy="6858000"/>
   <p:notesSz cx="6858000" cy="9144000"/>
@@ -107,6 +109,11 @@
       </a:defRPr>
     </a:lvl9pPr>
   </p:defaultTextStyle>
+  <p:extLst>
+    <p:ext uri="{EFAFB233-063F-42B5-8137-9DF3F51BA10A}">
+      <p15:sldGuideLst xmlns:p15="http://schemas.microsoft.com/office/powerpoint/2012/main"/>
+    </p:ext>
+  </p:extLst>
 </p:presentation>
 </file>
 
@@ -257,7 +264,7 @@
           <a:p>
             <a:fld id="{39C54E81-E9D0-4875-9DBE-A783CB1459D4}" type="datetimeFigureOut">
               <a:rPr lang="tr-TR" smtClean="0"/>
-              <a:t>25.05.2022</a:t>
+              <a:t>30.05.2022</a:t>
             </a:fld>
             <a:endParaRPr lang="tr-TR"/>
           </a:p>
@@ -455,7 +462,7 @@
           <a:p>
             <a:fld id="{39C54E81-E9D0-4875-9DBE-A783CB1459D4}" type="datetimeFigureOut">
               <a:rPr lang="tr-TR" smtClean="0"/>
-              <a:t>25.05.2022</a:t>
+              <a:t>30.05.2022</a:t>
             </a:fld>
             <a:endParaRPr lang="tr-TR"/>
           </a:p>
@@ -663,7 +670,7 @@
           <a:p>
             <a:fld id="{39C54E81-E9D0-4875-9DBE-A783CB1459D4}" type="datetimeFigureOut">
               <a:rPr lang="tr-TR" smtClean="0"/>
-              <a:t>25.05.2022</a:t>
+              <a:t>30.05.2022</a:t>
             </a:fld>
             <a:endParaRPr lang="tr-TR"/>
           </a:p>
@@ -861,7 +868,7 @@
           <a:p>
             <a:fld id="{39C54E81-E9D0-4875-9DBE-A783CB1459D4}" type="datetimeFigureOut">
               <a:rPr lang="tr-TR" smtClean="0"/>
-              <a:t>25.05.2022</a:t>
+              <a:t>30.05.2022</a:t>
             </a:fld>
             <a:endParaRPr lang="tr-TR"/>
           </a:p>
@@ -1136,7 +1143,7 @@
           <a:p>
             <a:fld id="{39C54E81-E9D0-4875-9DBE-A783CB1459D4}" type="datetimeFigureOut">
               <a:rPr lang="tr-TR" smtClean="0"/>
-              <a:t>25.05.2022</a:t>
+              <a:t>30.05.2022</a:t>
             </a:fld>
             <a:endParaRPr lang="tr-TR"/>
           </a:p>
@@ -1401,7 +1408,7 @@
           <a:p>
             <a:fld id="{39C54E81-E9D0-4875-9DBE-A783CB1459D4}" type="datetimeFigureOut">
               <a:rPr lang="tr-TR" smtClean="0"/>
-              <a:t>25.05.2022</a:t>
+              <a:t>30.05.2022</a:t>
             </a:fld>
             <a:endParaRPr lang="tr-TR"/>
           </a:p>
@@ -1813,7 +1820,7 @@
           <a:p>
             <a:fld id="{39C54E81-E9D0-4875-9DBE-A783CB1459D4}" type="datetimeFigureOut">
               <a:rPr lang="tr-TR" smtClean="0"/>
-              <a:t>25.05.2022</a:t>
+              <a:t>30.05.2022</a:t>
             </a:fld>
             <a:endParaRPr lang="tr-TR"/>
           </a:p>
@@ -1954,7 +1961,7 @@
           <a:p>
             <a:fld id="{39C54E81-E9D0-4875-9DBE-A783CB1459D4}" type="datetimeFigureOut">
               <a:rPr lang="tr-TR" smtClean="0"/>
-              <a:t>25.05.2022</a:t>
+              <a:t>30.05.2022</a:t>
             </a:fld>
             <a:endParaRPr lang="tr-TR"/>
           </a:p>
@@ -2067,7 +2074,7 @@
           <a:p>
             <a:fld id="{39C54E81-E9D0-4875-9DBE-A783CB1459D4}" type="datetimeFigureOut">
               <a:rPr lang="tr-TR" smtClean="0"/>
-              <a:t>25.05.2022</a:t>
+              <a:t>30.05.2022</a:t>
             </a:fld>
             <a:endParaRPr lang="tr-TR"/>
           </a:p>
@@ -2378,7 +2385,7 @@
           <a:p>
             <a:fld id="{39C54E81-E9D0-4875-9DBE-A783CB1459D4}" type="datetimeFigureOut">
               <a:rPr lang="tr-TR" smtClean="0"/>
-              <a:t>25.05.2022</a:t>
+              <a:t>30.05.2022</a:t>
             </a:fld>
             <a:endParaRPr lang="tr-TR"/>
           </a:p>
@@ -2666,7 +2673,7 @@
           <a:p>
             <a:fld id="{39C54E81-E9D0-4875-9DBE-A783CB1459D4}" type="datetimeFigureOut">
               <a:rPr lang="tr-TR" smtClean="0"/>
-              <a:t>25.05.2022</a:t>
+              <a:t>30.05.2022</a:t>
             </a:fld>
             <a:endParaRPr lang="tr-TR"/>
           </a:p>
@@ -2907,7 +2914,7 @@
           <a:p>
             <a:fld id="{39C54E81-E9D0-4875-9DBE-A783CB1459D4}" type="datetimeFigureOut">
               <a:rPr lang="tr-TR" smtClean="0"/>
-              <a:t>25.05.2022</a:t>
+              <a:t>30.05.2022</a:t>
             </a:fld>
             <a:endParaRPr lang="tr-TR"/>
           </a:p>
@@ -4324,6 +4331,291 @@
 </p:sld>
 </file>
 
+<file path=ppt/slides/slide5.xml><?xml version="1.0" encoding="utf-8"?>
+<p:sld xmlns:a="http://schemas.openxmlformats.org/drawingml/2006/main" xmlns:r="http://schemas.openxmlformats.org/officeDocument/2006/relationships" xmlns:p="http://schemas.openxmlformats.org/presentationml/2006/main">
+  <p:cSld>
+    <p:spTree>
+      <p:nvGrpSpPr>
+        <p:cNvPr id="1" name=""/>
+        <p:cNvGrpSpPr/>
+        <p:nvPr/>
+      </p:nvGrpSpPr>
+      <p:grpSpPr>
+        <a:xfrm>
+          <a:off x="0" y="0"/>
+          <a:ext cx="0" cy="0"/>
+          <a:chOff x="0" y="0"/>
+          <a:chExt cx="0" cy="0"/>
+        </a:xfrm>
+      </p:grpSpPr>
+      <p:sp>
+        <p:nvSpPr>
+          <p:cNvPr id="2" name="Başlık 1">
+            <a:extLst>
+              <a:ext uri="{FF2B5EF4-FFF2-40B4-BE49-F238E27FC236}">
+                <a16:creationId xmlns:a16="http://schemas.microsoft.com/office/drawing/2014/main" id="{15614CE0-F6D2-E5FE-B218-167A4EC50DCE}"/>
+              </a:ext>
+            </a:extLst>
+          </p:cNvPr>
+          <p:cNvSpPr>
+            <a:spLocks noGrp="1"/>
+          </p:cNvSpPr>
+          <p:nvPr>
+            <p:ph type="title"/>
+          </p:nvPr>
+        </p:nvSpPr>
+        <p:spPr/>
+        <p:txBody>
+          <a:bodyPr>
+            <a:normAutofit/>
+          </a:bodyPr>
+          <a:lstStyle/>
+          <a:p>
+            <a:pPr algn="ctr"/>
+            <a:r>
+              <a:rPr lang="tr-TR" sz="4000" dirty="0" err="1"/>
+              <a:t>Bootstrap</a:t>
+            </a:r>
+            <a:r>
+              <a:rPr lang="tr-TR" sz="4000" dirty="0"/>
+              <a:t> </a:t>
+            </a:r>
+            <a:r>
+              <a:rPr lang="tr-TR" sz="4000" dirty="0" err="1"/>
+              <a:t>Integrity</a:t>
+            </a:r>
+            <a:endParaRPr lang="tr-TR" sz="4000" dirty="0"/>
+          </a:p>
+        </p:txBody>
+      </p:sp>
+      <p:sp>
+        <p:nvSpPr>
+          <p:cNvPr id="3" name="İçerik Yer Tutucusu 2">
+            <a:extLst>
+              <a:ext uri="{FF2B5EF4-FFF2-40B4-BE49-F238E27FC236}">
+                <a16:creationId xmlns:a16="http://schemas.microsoft.com/office/drawing/2014/main" id="{53378C37-C856-4AD8-FB0A-86D14D374E76}"/>
+              </a:ext>
+            </a:extLst>
+          </p:cNvPr>
+          <p:cNvSpPr>
+            <a:spLocks noGrp="1"/>
+          </p:cNvSpPr>
+          <p:nvPr>
+            <p:ph idx="1"/>
+          </p:nvPr>
+        </p:nvSpPr>
+        <p:spPr/>
+        <p:txBody>
+          <a:bodyPr>
+            <a:normAutofit/>
+          </a:bodyPr>
+          <a:lstStyle/>
+          <a:p>
+            <a:r>
+              <a:rPr lang="tr-TR" sz="2400" dirty="0" err="1"/>
+              <a:t>Integrity</a:t>
+            </a:r>
+            <a:r>
+              <a:rPr lang="tr-TR" sz="2400" dirty="0"/>
+              <a:t>: Bir tarayıcının, kaynak değiştirilmişse kodun hiçbir zaman yüklenmediğinden emin olmak için getirilen komut dosyasını kontrol etmesine olanak tanır. SRI, web geliştiricilerinin üçüncü taraf sunucularda barındırılan kaynakların değiştirilmediğinden emin olmalarını sağlayan bir W3C özelliğidir. SRI kullanılması tavsiye edilir!</a:t>
+            </a:r>
+          </a:p>
+          <a:p>
+            <a:endParaRPr lang="tr-TR" sz="2400" dirty="0"/>
+          </a:p>
+          <a:p>
+            <a:r>
+              <a:rPr lang="tr-TR" sz="2400" dirty="0"/>
+              <a:t>SRI kullanırken, web sayfası </a:t>
+            </a:r>
+            <a:r>
+              <a:rPr lang="tr-TR" sz="2400" dirty="0" err="1"/>
+              <a:t>hash'i</a:t>
+            </a:r>
+            <a:r>
+              <a:rPr lang="tr-TR" sz="2400" dirty="0"/>
+              <a:t> tutar ve sunucu dosyayı (bu durumda .</a:t>
+            </a:r>
+            <a:r>
+              <a:rPr lang="tr-TR" sz="2400" dirty="0" err="1"/>
+              <a:t>js</a:t>
+            </a:r>
+            <a:r>
+              <a:rPr lang="tr-TR" sz="2400" dirty="0"/>
+              <a:t> dosyası) tutar. Tarayıcı dosyayı indirir, ardından bütünlük özelliğindeki karma ile eşleştiğinden emin olmak için kontrol eder. Eşleşirse dosya kullanılır, değilse dosya engellenir.</a:t>
+            </a:r>
+          </a:p>
+        </p:txBody>
+      </p:sp>
+    </p:spTree>
+    <p:extLst>
+      <p:ext uri="{BB962C8B-B14F-4D97-AF65-F5344CB8AC3E}">
+        <p14:creationId xmlns:p14="http://schemas.microsoft.com/office/powerpoint/2010/main" val="3989886416"/>
+      </p:ext>
+    </p:extLst>
+  </p:cSld>
+  <p:clrMapOvr>
+    <a:masterClrMapping/>
+  </p:clrMapOvr>
+</p:sld>
+</file>
+
+<file path=ppt/slides/slide6.xml><?xml version="1.0" encoding="utf-8"?>
+<p:sld xmlns:a="http://schemas.openxmlformats.org/drawingml/2006/main" xmlns:r="http://schemas.openxmlformats.org/officeDocument/2006/relationships" xmlns:p="http://schemas.openxmlformats.org/presentationml/2006/main">
+  <p:cSld>
+    <p:spTree>
+      <p:nvGrpSpPr>
+        <p:cNvPr id="1" name=""/>
+        <p:cNvGrpSpPr/>
+        <p:nvPr/>
+      </p:nvGrpSpPr>
+      <p:grpSpPr>
+        <a:xfrm>
+          <a:off x="0" y="0"/>
+          <a:ext cx="0" cy="0"/>
+          <a:chOff x="0" y="0"/>
+          <a:chExt cx="0" cy="0"/>
+        </a:xfrm>
+      </p:grpSpPr>
+      <p:sp>
+        <p:nvSpPr>
+          <p:cNvPr id="2" name="Başlık 1">
+            <a:extLst>
+              <a:ext uri="{FF2B5EF4-FFF2-40B4-BE49-F238E27FC236}">
+                <a16:creationId xmlns:a16="http://schemas.microsoft.com/office/drawing/2014/main" id="{A53ABBFA-A168-886A-C401-187A80B7BC29}"/>
+              </a:ext>
+            </a:extLst>
+          </p:cNvPr>
+          <p:cNvSpPr>
+            <a:spLocks noGrp="1"/>
+          </p:cNvSpPr>
+          <p:nvPr>
+            <p:ph type="title"/>
+          </p:nvPr>
+        </p:nvSpPr>
+        <p:spPr/>
+        <p:txBody>
+          <a:bodyPr>
+            <a:normAutofit/>
+          </a:bodyPr>
+          <a:lstStyle/>
+          <a:p>
+            <a:pPr algn="ctr"/>
+            <a:r>
+              <a:rPr lang="tr-TR" sz="4000" dirty="0" err="1"/>
+              <a:t>Bootstrap</a:t>
+            </a:r>
+            <a:r>
+              <a:rPr lang="tr-TR" sz="4000" dirty="0"/>
+              <a:t> </a:t>
+            </a:r>
+            <a:r>
+              <a:rPr lang="tr-TR" sz="4000" dirty="0" err="1"/>
+              <a:t>Crossorigin</a:t>
+            </a:r>
+            <a:endParaRPr lang="tr-TR" sz="4000" dirty="0"/>
+          </a:p>
+        </p:txBody>
+      </p:sp>
+      <p:sp>
+        <p:nvSpPr>
+          <p:cNvPr id="3" name="İçerik Yer Tutucusu 2">
+            <a:extLst>
+              <a:ext uri="{FF2B5EF4-FFF2-40B4-BE49-F238E27FC236}">
+                <a16:creationId xmlns:a16="http://schemas.microsoft.com/office/drawing/2014/main" id="{F36ACB2F-3391-0382-F85F-7759F603F011}"/>
+              </a:ext>
+            </a:extLst>
+          </p:cNvPr>
+          <p:cNvSpPr>
+            <a:spLocks noGrp="1"/>
+          </p:cNvSpPr>
+          <p:nvPr>
+            <p:ph idx="1"/>
+          </p:nvPr>
+        </p:nvSpPr>
+        <p:spPr/>
+        <p:txBody>
+          <a:bodyPr>
+            <a:normAutofit fontScale="85000" lnSpcReduction="10000"/>
+          </a:bodyPr>
+          <a:lstStyle/>
+          <a:p>
+            <a:r>
+              <a:rPr lang="tr-TR" sz="2400" dirty="0" err="1"/>
+              <a:t>Crossorigin</a:t>
+            </a:r>
+            <a:r>
+              <a:rPr lang="tr-TR" sz="2400" dirty="0"/>
+              <a:t> özelliği, isteğin </a:t>
+            </a:r>
+            <a:r>
+              <a:rPr lang="tr-TR" sz="2400" dirty="0" err="1"/>
+              <a:t>modunu</a:t>
+            </a:r>
+            <a:r>
+              <a:rPr lang="tr-TR" sz="2400" dirty="0"/>
+              <a:t> bir HTTP CORS İsteği olarak ayarlar.</a:t>
+            </a:r>
+          </a:p>
+          <a:p>
+            <a:endParaRPr lang="tr-TR" sz="2400" dirty="0"/>
+          </a:p>
+          <a:p>
+            <a:r>
+              <a:rPr lang="tr-TR" sz="2400" dirty="0"/>
+              <a:t>Web sayfaları genellikle kaynakları diğer sunuculara yüklemek için istekte bulunur. İşte burada CORS devreye giriyor.</a:t>
+            </a:r>
+          </a:p>
+          <a:p>
+            <a:endParaRPr lang="tr-TR" sz="2400" dirty="0"/>
+          </a:p>
+          <a:p>
+            <a:r>
+              <a:rPr lang="tr-TR" sz="2400" dirty="0"/>
+              <a:t>Kaynaklar arası istek, başka bir etki alanından bir kaynağa (ör. stil sayfaları, </a:t>
+            </a:r>
+            <a:r>
+              <a:rPr lang="tr-TR" sz="2400" dirty="0" err="1"/>
+              <a:t>iframe'ler</a:t>
+            </a:r>
+            <a:r>
+              <a:rPr lang="tr-TR" sz="2400" dirty="0"/>
+              <a:t>, resimler, yazı tipleri veya komut dosyaları) yönelik bir istektir.</a:t>
+            </a:r>
+          </a:p>
+          <a:p>
+            <a:endParaRPr lang="tr-TR" sz="2400" dirty="0"/>
+          </a:p>
+          <a:p>
+            <a:r>
+              <a:rPr lang="tr-TR" sz="2400" dirty="0"/>
+              <a:t>CORS, kaynaklar arası istekleri yönetmek için kullanılır.</a:t>
+            </a:r>
+          </a:p>
+          <a:p>
+            <a:endParaRPr lang="tr-TR" sz="2400" dirty="0"/>
+          </a:p>
+          <a:p>
+            <a:r>
+              <a:rPr lang="tr-TR" sz="2400" dirty="0"/>
+              <a:t>Kaynaklar arası isteğe izin vermenin güvenli olup olmadığını belirlemek için bir tarayıcı ve sunucunun nasıl etkileşime girebileceğinin bir yolunu tanımlar. CORS, diğer birçok şeyin yanı sıra sunucuların sunucudaki varlıklara kimlerin erişebileceğini belirlemesine olanak tanır.</a:t>
+            </a:r>
+          </a:p>
+        </p:txBody>
+      </p:sp>
+    </p:spTree>
+    <p:extLst>
+      <p:ext uri="{BB962C8B-B14F-4D97-AF65-F5344CB8AC3E}">
+        <p14:creationId xmlns:p14="http://schemas.microsoft.com/office/powerpoint/2010/main" val="1900499969"/>
+      </p:ext>
+    </p:extLst>
+  </p:cSld>
+  <p:clrMapOvr>
+    <a:masterClrMapping/>
+  </p:clrMapOvr>
+</p:sld>
+</file>
+
 <file path=ppt/theme/theme1.xml><?xml version="1.0" encoding="utf-8"?>
 <a:theme xmlns:a="http://schemas.openxmlformats.org/drawingml/2006/main" name="Office Teması">
   <a:themeElements>
